--- a/01-VICTOR_ODOH.pptx
+++ b/01-VICTOR_ODOH.pptx
@@ -7079,9 +7079,9 @@
                 <a:solidFill>
                   <a:srgbClr val="F8FFFF"/>
                 </a:solidFill>
-                <a:latin typeface="IBM Plex Mono" panose="020B0604020202020204" charset="0"/>
+                <a:latin typeface="Times New Roman" panose="02020603050405020304" pitchFamily="18" charset="0"/>
                 <a:ea typeface="IBM Plex Sans"/>
-                <a:cs typeface="IBM Plex Sans"/>
+                <a:cs typeface="Times New Roman" panose="02020603050405020304" pitchFamily="18" charset="0"/>
                 <a:sym typeface="IBM Plex Sans"/>
               </a:rPr>
               <a:t>HOW B2C AI SOLUTIONS WOULD BE MONETIZED IN THE FUTURE</a:t>
@@ -7105,17 +7105,17 @@
                 <a:solidFill>
                   <a:srgbClr val="F8FFFF"/>
                 </a:solidFill>
-                <a:latin typeface="IBM Plex Mono" panose="020B0604020202020204" charset="0"/>
+                <a:latin typeface="Times New Roman" panose="02020603050405020304" pitchFamily="18" charset="0"/>
                 <a:ea typeface="IBM Plex Sans"/>
-                <a:cs typeface="IBM Plex Sans"/>
+                <a:cs typeface="Times New Roman" panose="02020603050405020304" pitchFamily="18" charset="0"/>
                 <a:sym typeface="IBM Plex Sans"/>
               </a:rPr>
               <a:t>(10 YEAR TIME-FRAME)</a:t>
             </a:r>
             <a:endParaRPr sz="4800" dirty="0">
-              <a:latin typeface="IBM Plex Mono" panose="020B0604020202020204" charset="0"/>
+              <a:latin typeface="Times New Roman" panose="02020603050405020304" pitchFamily="18" charset="0"/>
               <a:ea typeface="IBM Plex Sans"/>
-              <a:cs typeface="IBM Plex Sans"/>
+              <a:cs typeface="Times New Roman" panose="02020603050405020304" pitchFamily="18" charset="0"/>
               <a:sym typeface="IBM Plex Sans"/>
             </a:endParaRPr>
           </a:p>
@@ -7586,7 +7586,8 @@
                 <a:solidFill>
                   <a:schemeClr val="tx2"/>
                 </a:solidFill>
-                <a:latin typeface="IBM Plex Mono" panose="020B0604020202020204" charset="0"/>
+                <a:latin typeface="Times New Roman" panose="02020603050405020304" pitchFamily="18" charset="0"/>
+                <a:cs typeface="Times New Roman" panose="02020603050405020304" pitchFamily="18" charset="0"/>
               </a:rPr>
               <a:t>A PRESENTATION BY VICTOR ONOJA ODOH</a:t>
             </a:r>
@@ -7594,7 +7595,8 @@
               <a:solidFill>
                 <a:schemeClr val="tx2"/>
               </a:solidFill>
-              <a:latin typeface="IBM Plex Mono" panose="020B0604020202020204" charset="0"/>
+              <a:latin typeface="Times New Roman" panose="02020603050405020304" pitchFamily="18" charset="0"/>
+              <a:cs typeface="Times New Roman" panose="02020603050405020304" pitchFamily="18" charset="0"/>
             </a:endParaRPr>
           </a:p>
         </p:txBody>
@@ -8076,12 +8078,12 @@
             </a:pPr>
             <a:r>
               <a:rPr lang="en-US" dirty="0">
-                <a:latin typeface="IBM Plex Mono" panose="020B0604020202020204" charset="0"/>
+                <a:latin typeface="Lucida Sans Typewriter" panose="020B0509030504030204" pitchFamily="49" charset="0"/>
               </a:rPr>
               <a:t>Agenda_</a:t>
             </a:r>
             <a:endParaRPr dirty="0">
-              <a:latin typeface="IBM Plex Mono" panose="020B0604020202020204" charset="0"/>
+              <a:latin typeface="Lucida Sans Typewriter" panose="020B0509030504030204" pitchFamily="49" charset="0"/>
             </a:endParaRPr>
           </a:p>
         </p:txBody>
@@ -8128,7 +8130,7 @@
                 <a:solidFill>
                   <a:srgbClr val="F8FFFF"/>
                 </a:solidFill>
-                <a:latin typeface="IBM Plex Mono"/>
+                <a:latin typeface="Lucida Sans Typewriter" panose="020B0509030504030204" pitchFamily="49" charset="0"/>
                 <a:ea typeface="IBM Plex Mono"/>
                 <a:cs typeface="IBM Plex Mono"/>
                 <a:sym typeface="IBM Plex Mono"/>
@@ -8136,7 +8138,7 @@
               <a:t>What are B2C AI Solutions?</a:t>
             </a:r>
             <a:endParaRPr sz="3950" dirty="0">
-              <a:latin typeface="IBM Plex Mono"/>
+              <a:latin typeface="Lucida Sans Typewriter" panose="020B0509030504030204" pitchFamily="49" charset="0"/>
               <a:ea typeface="IBM Plex Mono"/>
               <a:cs typeface="IBM Plex Mono"/>
               <a:sym typeface="IBM Plex Mono"/>
@@ -8175,17 +8177,17 @@
                 <a:solidFill>
                   <a:srgbClr val="F8FFFF"/>
                 </a:solidFill>
-                <a:latin typeface="IBM Plex Mono"/>
+                <a:latin typeface="Lucida Sans Typewriter" panose="020B0509030504030204" pitchFamily="49" charset="0"/>
                 <a:ea typeface="IBM Plex Mono"/>
-                <a:cs typeface="IBM Plex Mono"/>
+                <a:cs typeface="Times New Roman" panose="02020603050405020304" pitchFamily="18" charset="0"/>
                 <a:sym typeface="IBM Plex Mono"/>
               </a:rPr>
               <a:t>Interview with a B2C AI Solution founder</a:t>
             </a:r>
             <a:endParaRPr lang="en-US" sz="3950" dirty="0">
-              <a:latin typeface="IBM Plex Mono"/>
+              <a:latin typeface="Lucida Sans Typewriter" panose="020B0509030504030204" pitchFamily="49" charset="0"/>
               <a:ea typeface="IBM Plex Mono"/>
-              <a:cs typeface="IBM Plex Mono"/>
+              <a:cs typeface="Times New Roman" panose="02020603050405020304" pitchFamily="18" charset="0"/>
               <a:sym typeface="IBM Plex Mono"/>
             </a:endParaRPr>
           </a:p>
@@ -8222,7 +8224,7 @@
                 <a:solidFill>
                   <a:srgbClr val="F8FFFF"/>
                 </a:solidFill>
-                <a:latin typeface="IBM Plex Mono"/>
+                <a:latin typeface="Lucida Sans Typewriter" panose="020B0509030504030204" pitchFamily="49" charset="0"/>
                 <a:ea typeface="IBM Plex Mono"/>
                 <a:cs typeface="IBM Plex Mono"/>
                 <a:sym typeface="IBM Plex Mono"/>
@@ -8234,7 +8236,7 @@
                 <a:solidFill>
                   <a:srgbClr val="F8FFFF"/>
                 </a:solidFill>
-                <a:latin typeface="IBM Plex Mono"/>
+                <a:latin typeface="Lucida Sans Typewriter" panose="020B0509030504030204" pitchFamily="49" charset="0"/>
                 <a:ea typeface="IBM Plex Mono"/>
                 <a:cs typeface="IBM Plex Mono"/>
                 <a:sym typeface="IBM Plex Mono"/>
@@ -8242,7 +8244,7 @@
               <a:t>Solutions built? </a:t>
             </a:r>
             <a:endParaRPr sz="3950" dirty="0">
-              <a:latin typeface="IBM Plex Mono"/>
+              <a:latin typeface="Lucida Sans Typewriter" panose="020B0509030504030204" pitchFamily="49" charset="0"/>
               <a:ea typeface="IBM Plex Mono"/>
               <a:cs typeface="IBM Plex Mono"/>
               <a:sym typeface="IBM Plex Mono"/>
@@ -8292,17 +8294,17 @@
                 <a:solidFill>
                   <a:srgbClr val="F8FFFF"/>
                 </a:solidFill>
-                <a:latin typeface="IBM Plex Mono"/>
+                <a:latin typeface="Lucida Sans Typewriter" panose="020B0509030504030204" pitchFamily="49" charset="0"/>
                 <a:ea typeface="IBM Plex Mono"/>
-                <a:cs typeface="IBM Plex Mono"/>
+                <a:cs typeface="Times New Roman" panose="02020603050405020304" pitchFamily="18" charset="0"/>
                 <a:sym typeface="IBM Plex Mono"/>
               </a:rPr>
               <a:t>My unique monetization strategy</a:t>
             </a:r>
             <a:endParaRPr sz="3950" dirty="0">
-              <a:latin typeface="IBM Plex Mono"/>
+              <a:latin typeface="Lucida Sans Typewriter" panose="020B0509030504030204" pitchFamily="49" charset="0"/>
               <a:ea typeface="IBM Plex Mono"/>
-              <a:cs typeface="IBM Plex Mono"/>
+              <a:cs typeface="Times New Roman" panose="02020603050405020304" pitchFamily="18" charset="0"/>
               <a:sym typeface="IBM Plex Mono"/>
             </a:endParaRPr>
           </a:p>
@@ -8316,7 +8318,7 @@
         </p:nvSpPr>
         <p:spPr>
           <a:xfrm>
-            <a:off x="7772213" y="4317064"/>
+            <a:off x="7772213" y="4063133"/>
             <a:ext cx="12097191" cy="1229173"/>
           </a:xfrm>
           <a:prstGeom prst="rect">
@@ -8339,7 +8341,7 @@
                 <a:solidFill>
                   <a:schemeClr val="tx2"/>
                 </a:solidFill>
-                <a:latin typeface="IBM Plex Mono"/>
+                <a:latin typeface="Lucida Sans Typewriter" panose="020B0509030504030204" pitchFamily="49" charset="0"/>
                 <a:ea typeface="IBM Plex Mono"/>
                 <a:cs typeface="IBM Plex Mono"/>
                 <a:sym typeface="IBM Plex Mono"/>
@@ -8351,7 +8353,7 @@
                 <a:solidFill>
                   <a:schemeClr val="tx2"/>
                 </a:solidFill>
-                <a:latin typeface="IBM Plex Mono"/>
+                <a:latin typeface="Lucida Sans Typewriter" panose="020B0509030504030204" pitchFamily="49" charset="0"/>
                 <a:ea typeface="IBM Plex Mono"/>
                 <a:cs typeface="IBM Plex Mono"/>
                 <a:sym typeface="IBM Plex Mono"/>
@@ -8363,7 +8365,7 @@
                 <a:solidFill>
                   <a:schemeClr val="tx2"/>
                 </a:solidFill>
-                <a:latin typeface="IBM Plex Mono"/>
+                <a:latin typeface="Lucida Sans Typewriter" panose="020B0509030504030204" pitchFamily="49" charset="0"/>
                 <a:ea typeface="IBM Plex Mono"/>
                 <a:cs typeface="IBM Plex Mono"/>
                 <a:sym typeface="IBM Plex Mono"/>
@@ -8375,7 +8377,7 @@
                 <a:solidFill>
                   <a:schemeClr val="tx2"/>
                 </a:solidFill>
-                <a:latin typeface="IBM Plex Mono"/>
+                <a:latin typeface="Lucida Sans Typewriter" panose="020B0509030504030204" pitchFamily="49" charset="0"/>
                 <a:ea typeface="IBM Plex Mono"/>
                 <a:cs typeface="IBM Plex Mono"/>
                 <a:sym typeface="IBM Plex Mono"/>
@@ -8386,7 +8388,7 @@
               <a:solidFill>
                 <a:schemeClr val="tx2"/>
               </a:solidFill>
-              <a:latin typeface="IBM Plex Mono"/>
+              <a:latin typeface="Lucida Sans Typewriter" panose="020B0509030504030204" pitchFamily="49" charset="0"/>
               <a:ea typeface="IBM Plex Mono"/>
               <a:cs typeface="IBM Plex Mono"/>
               <a:sym typeface="IBM Plex Mono"/>
@@ -8919,7 +8921,8 @@
                 <a:solidFill>
                   <a:schemeClr val="tx2"/>
                 </a:solidFill>
-                <a:latin typeface="IBM Plex Mono" panose="020B0604020202020204" charset="0"/>
+                <a:latin typeface="Lucida Sans Typewriter" panose="020B0509030504030204" pitchFamily="49" charset="0"/>
+                <a:cs typeface="Times New Roman" panose="02020603050405020304" pitchFamily="18" charset="0"/>
               </a:rPr>
               <a:t>Meet the speaker</a:t>
             </a:r>
@@ -8927,7 +8930,8 @@
               <a:solidFill>
                 <a:schemeClr val="tx2"/>
               </a:solidFill>
-              <a:latin typeface="IBM Plex Mono" panose="020B0604020202020204" charset="0"/>
+              <a:latin typeface="Lucida Sans Typewriter" panose="020B0509030504030204" pitchFamily="49" charset="0"/>
+              <a:cs typeface="Times New Roman" panose="02020603050405020304" pitchFamily="18" charset="0"/>
             </a:endParaRPr>
           </a:p>
         </p:txBody>
@@ -9152,12 +9156,14 @@
                 <a:solidFill>
                   <a:srgbClr val="0099DF"/>
                 </a:solidFill>
-                <a:latin typeface="IBM Plex Mono" panose="020B0604020202020204" charset="0"/>
+                <a:latin typeface="Lucida Sans Typewriter" panose="020B0509030504030204" pitchFamily="49" charset="0"/>
+                <a:cs typeface="Times New Roman" panose="02020603050405020304" pitchFamily="18" charset="0"/>
               </a:rPr>
               <a:t>What are B2C AI Solutions ?</a:t>
             </a:r>
             <a:endParaRPr sz="8000" dirty="0">
-              <a:latin typeface="IBM Plex Mono" panose="020B0604020202020204" charset="0"/>
+              <a:latin typeface="Lucida Sans Typewriter" panose="020B0509030504030204" pitchFamily="49" charset="0"/>
+              <a:cs typeface="Times New Roman" panose="02020603050405020304" pitchFamily="18" charset="0"/>
             </a:endParaRPr>
           </a:p>
         </p:txBody>
@@ -9197,9 +9203,9 @@
                 <a:solidFill>
                   <a:srgbClr val="FFFFFF"/>
                 </a:solidFill>
-                <a:latin typeface="IBM Plex Mono"/>
+                <a:latin typeface="Lucida Sans Typewriter" panose="020B0509030504030204" pitchFamily="49" charset="0"/>
                 <a:ea typeface="IBM Plex Mono"/>
-                <a:cs typeface="IBM Plex Mono"/>
+                <a:cs typeface="Times New Roman" panose="02020603050405020304" pitchFamily="18" charset="0"/>
                 <a:sym typeface="IBM Plex Mono"/>
               </a:rPr>
               <a:t>B2C AI solutions are artificial intelligence solutions that are designed for business-to-consumer (B2C) interactions. These solutions use AI technology to enhance and personalize the customer experience. Examples include virtual assistants, </a:t>
@@ -9209,9 +9215,9 @@
                 <a:solidFill>
                   <a:srgbClr val="FFFFFF"/>
                 </a:solidFill>
-                <a:latin typeface="IBM Plex Mono"/>
+                <a:latin typeface="Lucida Sans Typewriter" panose="020B0509030504030204" pitchFamily="49" charset="0"/>
                 <a:ea typeface="IBM Plex Mono"/>
-                <a:cs typeface="IBM Plex Mono"/>
+                <a:cs typeface="Times New Roman" panose="02020603050405020304" pitchFamily="18" charset="0"/>
                 <a:sym typeface="IBM Plex Mono"/>
               </a:rPr>
               <a:t>chatbots</a:t>
@@ -9221,17 +9227,17 @@
                 <a:solidFill>
                   <a:srgbClr val="FFFFFF"/>
                 </a:solidFill>
-                <a:latin typeface="IBM Plex Mono"/>
+                <a:latin typeface="Lucida Sans Typewriter" panose="020B0509030504030204" pitchFamily="49" charset="0"/>
                 <a:ea typeface="IBM Plex Mono"/>
-                <a:cs typeface="IBM Plex Mono"/>
+                <a:cs typeface="Times New Roman" panose="02020603050405020304" pitchFamily="18" charset="0"/>
                 <a:sym typeface="IBM Plex Mono"/>
               </a:rPr>
               <a:t>, and recommendation engines.</a:t>
             </a:r>
             <a:endParaRPr sz="2400" dirty="0">
-              <a:latin typeface="IBM Plex Mono"/>
+              <a:latin typeface="Lucida Sans Typewriter" panose="020B0509030504030204" pitchFamily="49" charset="0"/>
               <a:ea typeface="IBM Plex Mono"/>
-              <a:cs typeface="IBM Plex Mono"/>
+              <a:cs typeface="Times New Roman" panose="02020603050405020304" pitchFamily="18" charset="0"/>
               <a:sym typeface="IBM Plex Mono"/>
             </a:endParaRPr>
           </a:p>
@@ -9531,7 +9537,7 @@
                 <a:solidFill>
                   <a:srgbClr val="F04B42"/>
                 </a:solidFill>
-                <a:latin typeface="IBM Plex Mono" panose="020B0604020202020204" charset="0"/>
+                <a:latin typeface="Lucida Sans Typewriter" panose="020B0509030504030204" pitchFamily="49" charset="0"/>
                 <a:ea typeface="IBM Plex Sans"/>
                 <a:cs typeface="IBM Plex Sans"/>
                 <a:sym typeface="IBM Plex Sans"/>
@@ -9539,7 +9545,7 @@
               <a:t>How are AI applications built ?</a:t>
             </a:r>
             <a:endParaRPr sz="4500" dirty="0">
-              <a:latin typeface="IBM Plex Mono" panose="020B0604020202020204" charset="0"/>
+              <a:latin typeface="Lucida Sans Typewriter" panose="020B0509030504030204" pitchFamily="49" charset="0"/>
               <a:ea typeface="IBM Plex Sans"/>
               <a:cs typeface="IBM Plex Sans"/>
               <a:sym typeface="IBM Plex Sans"/>
@@ -10873,7 +10879,7 @@
             </a:pPr>
             <a:r>
               <a:rPr lang="en-US" sz="1950" dirty="0" smtClean="0">
-                <a:latin typeface="IBM Plex Mono"/>
+                <a:latin typeface="Lucida Sans Typewriter" panose="020B0509030504030204" pitchFamily="49" charset="0"/>
                 <a:ea typeface="IBM Plex Mono"/>
                 <a:cs typeface="IBM Plex Mono"/>
                 <a:sym typeface="IBM Plex Mono"/>
@@ -10882,7 +10888,7 @@
             </a:r>
             <a:r>
               <a:rPr lang="en-US" sz="1950" dirty="0">
-                <a:latin typeface="IBM Plex Mono"/>
+                <a:latin typeface="Lucida Sans Typewriter" panose="020B0509030504030204" pitchFamily="49" charset="0"/>
                 <a:ea typeface="IBM Plex Mono"/>
                 <a:cs typeface="IBM Plex Mono"/>
                 <a:sym typeface="IBM Plex Mono"/>
@@ -10890,7 +10896,7 @@
               <a:t>applications are built using many of the same technologies and methodologies as traditional software applications, such as programming languages, development frameworks, and software engineering best practices. However, the key difference is that AI applications are specifically designed to solve complex problems using machine learning algorithms, which enable them to learn from data and make predictions or decisions based on that data. This makes AI applications well-suited for solving problems that are difficult or impossible for traditional software applications to solve, such as natural language processing, image recognition, and predictive analytics.</a:t>
             </a:r>
             <a:endParaRPr sz="1950" dirty="0">
-              <a:latin typeface="IBM Plex Mono"/>
+              <a:latin typeface="Lucida Sans Typewriter" panose="020B0509030504030204" pitchFamily="49" charset="0"/>
               <a:ea typeface="IBM Plex Mono"/>
               <a:cs typeface="IBM Plex Mono"/>
               <a:sym typeface="IBM Plex Mono"/>
@@ -10940,7 +10946,7 @@
                 <a:solidFill>
                   <a:srgbClr val="032136"/>
                 </a:solidFill>
-                <a:latin typeface="IBM Plex Mono SemiBold"/>
+                <a:latin typeface="Lucida Sans Typewriter" panose="020B0509030504030204" pitchFamily="49" charset="0"/>
                 <a:ea typeface="IBM Plex Mono SemiBold"/>
                 <a:cs typeface="IBM Plex Mono SemiBold"/>
                 <a:sym typeface="IBM Plex Mono SemiBold"/>
@@ -10948,7 +10954,7 @@
               <a:t>FRONT END</a:t>
             </a:r>
             <a:endParaRPr sz="1950" dirty="0">
-              <a:latin typeface="IBM Plex Mono SemiBold"/>
+              <a:latin typeface="Lucida Sans Typewriter" panose="020B0509030504030204" pitchFamily="49" charset="0"/>
               <a:ea typeface="IBM Plex Mono SemiBold"/>
               <a:cs typeface="IBM Plex Mono SemiBold"/>
               <a:sym typeface="IBM Plex Mono SemiBold"/>
@@ -10965,7 +10971,7 @@
                 <a:solidFill>
                   <a:srgbClr val="072235"/>
                 </a:solidFill>
-                <a:latin typeface="IBM Plex Mono Light"/>
+                <a:latin typeface="Lucida Sans Typewriter" panose="020B0509030504030204" pitchFamily="49" charset="0"/>
                 <a:ea typeface="IBM Plex Mono Light"/>
                 <a:cs typeface="IBM Plex Mono Light"/>
                 <a:sym typeface="IBM Plex Mono Light"/>
@@ -10977,7 +10983,7 @@
                 <a:solidFill>
                   <a:srgbClr val="072235"/>
                 </a:solidFill>
-                <a:latin typeface="IBM Plex Mono Light"/>
+                <a:latin typeface="Lucida Sans Typewriter" panose="020B0509030504030204" pitchFamily="49" charset="0"/>
                 <a:ea typeface="IBM Plex Mono Light"/>
                 <a:cs typeface="IBM Plex Mono Light"/>
                 <a:sym typeface="IBM Plex Mono Light"/>
@@ -10989,7 +10995,7 @@
                 <a:solidFill>
                   <a:srgbClr val="072235"/>
                 </a:solidFill>
-                <a:latin typeface="IBM Plex Mono Light"/>
+                <a:latin typeface="Lucida Sans Typewriter" panose="020B0509030504030204" pitchFamily="49" charset="0"/>
                 <a:ea typeface="IBM Plex Mono Light"/>
                 <a:cs typeface="IBM Plex Mono Light"/>
                 <a:sym typeface="IBM Plex Mono Light"/>
@@ -10997,7 +11003,7 @@
               <a:t>, and Angular, as well as mobile development frameworks and Bootstrap.</a:t>
             </a:r>
             <a:endParaRPr sz="1950" dirty="0">
-              <a:latin typeface="IBM Plex Mono Light"/>
+              <a:latin typeface="Lucida Sans Typewriter" panose="020B0509030504030204" pitchFamily="49" charset="0"/>
               <a:ea typeface="IBM Plex Mono Light"/>
               <a:cs typeface="IBM Plex Mono Light"/>
               <a:sym typeface="IBM Plex Mono Light"/>
@@ -11047,7 +11053,7 @@
                 <a:solidFill>
                   <a:srgbClr val="032136"/>
                 </a:solidFill>
-                <a:latin typeface="IBM Plex Mono SemiBold"/>
+                <a:latin typeface="Lucida Sans Typewriter" panose="020B0509030504030204" pitchFamily="49" charset="0"/>
                 <a:ea typeface="IBM Plex Mono SemiBold"/>
                 <a:cs typeface="IBM Plex Mono SemiBold"/>
                 <a:sym typeface="IBM Plex Mono SemiBold"/>
@@ -11055,7 +11061,7 @@
               <a:t>BACK END</a:t>
             </a:r>
             <a:endParaRPr sz="1950" dirty="0">
-              <a:latin typeface="IBM Plex Mono SemiBold"/>
+              <a:latin typeface="Lucida Sans Typewriter" panose="020B0509030504030204" pitchFamily="49" charset="0"/>
               <a:ea typeface="IBM Plex Mono SemiBold"/>
               <a:cs typeface="IBM Plex Mono SemiBold"/>
               <a:sym typeface="IBM Plex Mono SemiBold"/>
@@ -11072,7 +11078,7 @@
                 <a:solidFill>
                   <a:srgbClr val="072235"/>
                 </a:solidFill>
-                <a:latin typeface="IBM Plex Mono Light"/>
+                <a:latin typeface="Lucida Sans Typewriter" panose="020B0509030504030204" pitchFamily="49" charset="0"/>
                 <a:ea typeface="IBM Plex Mono Light"/>
                 <a:cs typeface="IBM Plex Mono Light"/>
                 <a:sym typeface="IBM Plex Mono Light"/>
@@ -11084,7 +11090,7 @@
                 <a:solidFill>
                   <a:srgbClr val="072235"/>
                 </a:solidFill>
-                <a:latin typeface="IBM Plex Mono Light"/>
+                <a:latin typeface="Lucida Sans Typewriter" panose="020B0509030504030204" pitchFamily="49" charset="0"/>
                 <a:ea typeface="IBM Plex Mono Light"/>
                 <a:cs typeface="IBM Plex Mono Light"/>
                 <a:sym typeface="IBM Plex Mono Light"/>
@@ -11096,7 +11102,7 @@
                 <a:solidFill>
                   <a:srgbClr val="072235"/>
                 </a:solidFill>
-                <a:latin typeface="IBM Plex Mono Light"/>
+                <a:latin typeface="Lucida Sans Typewriter" panose="020B0509030504030204" pitchFamily="49" charset="0"/>
                 <a:ea typeface="IBM Plex Mono Light"/>
                 <a:cs typeface="IBM Plex Mono Light"/>
                 <a:sym typeface="IBM Plex Mono Light"/>
@@ -11104,7 +11110,7 @@
               <a:t>, database systems, cloud platforms, and APIs and web services.</a:t>
             </a:r>
             <a:endParaRPr sz="1950" dirty="0">
-              <a:latin typeface="IBM Plex Mono Light"/>
+              <a:latin typeface="Lucida Sans Typewriter" panose="020B0509030504030204" pitchFamily="49" charset="0"/>
               <a:ea typeface="IBM Plex Mono Light"/>
               <a:cs typeface="IBM Plex Mono Light"/>
               <a:sym typeface="IBM Plex Mono Light"/>
@@ -11154,7 +11160,7 @@
                 <a:solidFill>
                   <a:srgbClr val="032136"/>
                 </a:solidFill>
-                <a:latin typeface="IBM Plex Mono SemiBold"/>
+                <a:latin typeface="Lucida Sans Typewriter" panose="020B0509030504030204" pitchFamily="49" charset="0"/>
                 <a:ea typeface="IBM Plex Mono SemiBold"/>
                 <a:cs typeface="IBM Plex Mono SemiBold"/>
                 <a:sym typeface="IBM Plex Mono SemiBold"/>
@@ -11162,7 +11168,7 @@
               <a:t>THE AI</a:t>
             </a:r>
             <a:endParaRPr sz="1950" dirty="0">
-              <a:latin typeface="IBM Plex Mono SemiBold"/>
+              <a:latin typeface="Lucida Sans Typewriter" panose="020B0509030504030204" pitchFamily="49" charset="0"/>
               <a:ea typeface="IBM Plex Mono SemiBold"/>
               <a:cs typeface="IBM Plex Mono SemiBold"/>
               <a:sym typeface="IBM Plex Mono SemiBold"/>
@@ -11179,7 +11185,7 @@
                 <a:solidFill>
                   <a:srgbClr val="072235"/>
                 </a:solidFill>
-                <a:latin typeface="IBM Plex Mono Light"/>
+                <a:latin typeface="Lucida Sans Typewriter" panose="020B0509030504030204" pitchFamily="49" charset="0"/>
                 <a:ea typeface="IBM Plex Mono Light"/>
                 <a:cs typeface="IBM Plex Mono Light"/>
                 <a:sym typeface="IBM Plex Mono Light"/>
@@ -11297,7 +11303,7 @@
                 <a:solidFill>
                   <a:srgbClr val="072235"/>
                 </a:solidFill>
-                <a:latin typeface="IBM Plex Mono"/>
+                <a:latin typeface="Lucida Sans Typewriter" panose="020B0509030504030204" pitchFamily="49" charset="0"/>
                 <a:ea typeface="IBM Plex Mono"/>
                 <a:cs typeface="IBM Plex Mono"/>
                 <a:sym typeface="IBM Plex Mono"/>
@@ -11315,7 +11321,7 @@
               <a:solidFill>
                 <a:srgbClr val="072235"/>
               </a:solidFill>
-              <a:latin typeface="IBM Plex Mono"/>
+              <a:latin typeface="Lucida Sans Typewriter" panose="020B0509030504030204" pitchFamily="49" charset="0"/>
               <a:ea typeface="IBM Plex Mono"/>
               <a:cs typeface="IBM Plex Mono"/>
               <a:sym typeface="IBM Plex Mono"/>
@@ -11334,7 +11340,7 @@
                 <a:solidFill>
                   <a:srgbClr val="072235"/>
                 </a:solidFill>
-                <a:latin typeface="IBM Plex Mono"/>
+                <a:latin typeface="Lucida Sans Typewriter" panose="020B0509030504030204" pitchFamily="49" charset="0"/>
                 <a:ea typeface="IBM Plex Mono"/>
                 <a:cs typeface="IBM Plex Mono"/>
                 <a:sym typeface="IBM Plex Mono"/>
@@ -11346,7 +11352,7 @@
                 <a:solidFill>
                   <a:srgbClr val="072235"/>
                 </a:solidFill>
-                <a:latin typeface="IBM Plex Mono"/>
+                <a:latin typeface="Lucida Sans Typewriter" panose="020B0509030504030204" pitchFamily="49" charset="0"/>
                 <a:ea typeface="IBM Plex Mono"/>
                 <a:cs typeface="IBM Plex Mono"/>
                 <a:sym typeface="IBM Plex Mono"/>
@@ -11357,7 +11363,7 @@
               <a:solidFill>
                 <a:srgbClr val="072235"/>
               </a:solidFill>
-              <a:latin typeface="IBM Plex Mono"/>
+              <a:latin typeface="Lucida Sans Typewriter" panose="020B0509030504030204" pitchFamily="49" charset="0"/>
               <a:ea typeface="IBM Plex Mono"/>
               <a:cs typeface="IBM Plex Mono"/>
               <a:sym typeface="IBM Plex Mono"/>
@@ -11376,7 +11382,7 @@
                 <a:solidFill>
                   <a:srgbClr val="072235"/>
                 </a:solidFill>
-                <a:latin typeface="IBM Plex Mono"/>
+                <a:latin typeface="Lucida Sans Typewriter" panose="020B0509030504030204" pitchFamily="49" charset="0"/>
                 <a:ea typeface="IBM Plex Mono"/>
                 <a:cs typeface="IBM Plex Mono"/>
                 <a:sym typeface="IBM Plex Mono"/>
@@ -11397,7 +11403,7 @@
                 <a:solidFill>
                   <a:srgbClr val="072235"/>
                 </a:solidFill>
-                <a:latin typeface="IBM Plex Mono"/>
+                <a:latin typeface="Lucida Sans Typewriter" panose="020B0509030504030204" pitchFamily="49" charset="0"/>
                 <a:ea typeface="IBM Plex Mono"/>
                 <a:cs typeface="IBM Plex Mono"/>
                 <a:sym typeface="IBM Plex Mono"/>
@@ -11418,7 +11424,7 @@
                 <a:solidFill>
                   <a:srgbClr val="072235"/>
                 </a:solidFill>
-                <a:latin typeface="IBM Plex Mono"/>
+                <a:latin typeface="Lucida Sans Typewriter" panose="020B0509030504030204" pitchFamily="49" charset="0"/>
                 <a:ea typeface="IBM Plex Mono"/>
                 <a:cs typeface="IBM Plex Mono"/>
                 <a:sym typeface="IBM Plex Mono"/>
@@ -11439,7 +11445,7 @@
                 <a:solidFill>
                   <a:srgbClr val="072235"/>
                 </a:solidFill>
-                <a:latin typeface="IBM Plex Mono"/>
+                <a:latin typeface="Lucida Sans Typewriter" panose="020B0509030504030204" pitchFamily="49" charset="0"/>
                 <a:ea typeface="IBM Plex Mono"/>
                 <a:cs typeface="IBM Plex Mono"/>
                 <a:sym typeface="IBM Plex Mono"/>
@@ -11451,7 +11457,7 @@
                 <a:solidFill>
                   <a:srgbClr val="072235"/>
                 </a:solidFill>
-                <a:latin typeface="IBM Plex Mono"/>
+                <a:latin typeface="Lucida Sans Typewriter" panose="020B0509030504030204" pitchFamily="49" charset="0"/>
                 <a:ea typeface="IBM Plex Mono"/>
                 <a:cs typeface="IBM Plex Mono"/>
                 <a:sym typeface="IBM Plex Mono"/>
@@ -11469,7 +11475,7 @@
               <a:solidFill>
                 <a:srgbClr val="072235"/>
               </a:solidFill>
-              <a:latin typeface="IBM Plex Mono"/>
+              <a:latin typeface="Lucida Sans Typewriter" panose="020B0509030504030204" pitchFamily="49" charset="0"/>
               <a:ea typeface="IBM Plex Mono"/>
               <a:cs typeface="IBM Plex Mono"/>
               <a:sym typeface="IBM Plex Mono"/>
@@ -11483,7 +11489,7 @@
             </a:pPr>
             <a:r>
               <a:rPr lang="en-US" sz="1750" dirty="0">
-                <a:latin typeface="IBM Plex Mono"/>
+                <a:latin typeface="Lucida Sans Typewriter" panose="020B0509030504030204" pitchFamily="49" charset="0"/>
                 <a:ea typeface="IBM Plex Mono"/>
                 <a:cs typeface="IBM Plex Mono"/>
                 <a:sym typeface="IBM Plex Mono"/>
@@ -11498,7 +11504,7 @@
               </a:lnSpc>
             </a:pPr>
             <a:endParaRPr lang="en-US" sz="1750" dirty="0">
-              <a:latin typeface="IBM Plex Mono"/>
+              <a:latin typeface="Lucida Sans Typewriter" panose="020B0509030504030204" pitchFamily="49" charset="0"/>
               <a:ea typeface="IBM Plex Mono"/>
               <a:cs typeface="IBM Plex Mono"/>
               <a:sym typeface="IBM Plex Mono"/>
@@ -11512,7 +11518,7 @@
             </a:pPr>
             <a:r>
               <a:rPr lang="en-US" sz="1750" dirty="0">
-                <a:latin typeface="IBM Plex Mono"/>
+                <a:latin typeface="Lucida Sans Typewriter" panose="020B0509030504030204" pitchFamily="49" charset="0"/>
                 <a:ea typeface="IBM Plex Mono"/>
                 <a:cs typeface="IBM Plex Mono"/>
                 <a:sym typeface="IBM Plex Mono"/>
@@ -11521,7 +11527,7 @@
             </a:r>
             <a:r>
               <a:rPr lang="en-US" sz="1750" dirty="0" err="1">
-                <a:latin typeface="IBM Plex Mono"/>
+                <a:latin typeface="Lucida Sans Typewriter" panose="020B0509030504030204" pitchFamily="49" charset="0"/>
                 <a:ea typeface="IBM Plex Mono"/>
                 <a:cs typeface="IBM Plex Mono"/>
                 <a:sym typeface="IBM Plex Mono"/>
@@ -11530,7 +11536,7 @@
             </a:r>
             <a:r>
               <a:rPr lang="en-US" sz="1750" dirty="0">
-                <a:latin typeface="IBM Plex Mono"/>
+                <a:latin typeface="Lucida Sans Typewriter" panose="020B0509030504030204" pitchFamily="49" charset="0"/>
                 <a:ea typeface="IBM Plex Mono"/>
                 <a:cs typeface="IBM Plex Mono"/>
                 <a:sym typeface="IBM Plex Mono"/>
@@ -11545,7 +11551,7 @@
               </a:lnSpc>
             </a:pPr>
             <a:endParaRPr lang="en-US" sz="1750" dirty="0">
-              <a:latin typeface="IBM Plex Mono"/>
+              <a:latin typeface="Lucida Sans Typewriter" panose="020B0509030504030204" pitchFamily="49" charset="0"/>
               <a:ea typeface="IBM Plex Mono"/>
               <a:cs typeface="IBM Plex Mono"/>
               <a:sym typeface="IBM Plex Mono"/>
@@ -11559,7 +11565,7 @@
             </a:pPr>
             <a:r>
               <a:rPr lang="en-US" sz="1750" dirty="0">
-                <a:latin typeface="IBM Plex Mono"/>
+                <a:latin typeface="Lucida Sans Typewriter" panose="020B0509030504030204" pitchFamily="49" charset="0"/>
                 <a:ea typeface="IBM Plex Mono"/>
                 <a:cs typeface="IBM Plex Mono"/>
                 <a:sym typeface="IBM Plex Mono"/>
@@ -11567,7 +11573,7 @@
               <a:t>These reports indicate that B2C AI solutions have a significant market potential and can be monetized through various revenue models depending on the application and target audience.</a:t>
             </a:r>
             <a:endParaRPr sz="1750" dirty="0">
-              <a:latin typeface="IBM Plex Mono"/>
+              <a:latin typeface="Lucida Sans Typewriter" panose="020B0509030504030204" pitchFamily="49" charset="0"/>
               <a:ea typeface="IBM Plex Mono"/>
               <a:cs typeface="IBM Plex Mono"/>
               <a:sym typeface="IBM Plex Mono"/>
@@ -11617,7 +11623,7 @@
                 <a:solidFill>
                   <a:srgbClr val="F04B42"/>
                 </a:solidFill>
-                <a:latin typeface="IBM Plex Mono" panose="020B0604020202020204" charset="0"/>
+                <a:latin typeface="Lucida Sans Typewriter" panose="020B0509030504030204" pitchFamily="49" charset="0"/>
                 <a:ea typeface="IBM Plex Sans"/>
                 <a:cs typeface="IBM Plex Sans"/>
                 <a:sym typeface="IBM Plex Sans"/>
@@ -11625,7 +11631,7 @@
               <a:t>How are B2C AI Solutions monetized currently?</a:t>
             </a:r>
             <a:endParaRPr sz="4500" dirty="0">
-              <a:latin typeface="IBM Plex Mono" panose="020B0604020202020204" charset="0"/>
+              <a:latin typeface="Lucida Sans Typewriter" panose="020B0509030504030204" pitchFamily="49" charset="0"/>
               <a:ea typeface="IBM Plex Sans"/>
               <a:cs typeface="IBM Plex Sans"/>
               <a:sym typeface="IBM Plex Sans"/>
@@ -12013,7 +12019,7 @@
                 <a:solidFill>
                   <a:srgbClr val="032136"/>
                 </a:solidFill>
-                <a:latin typeface="IBM Plex Mono"/>
+                <a:latin typeface="Lucida Sans Typewriter" panose="020B0509030504030204" pitchFamily="49" charset="0"/>
                 <a:ea typeface="IBM Plex Mono"/>
                 <a:cs typeface="IBM Plex Mono"/>
                 <a:sym typeface="IBM Plex Mono"/>
@@ -12025,7 +12031,7 @@
                 <a:solidFill>
                   <a:srgbClr val="032136"/>
                 </a:solidFill>
-                <a:latin typeface="IBM Plex Mono"/>
+                <a:latin typeface="Lucida Sans Typewriter" panose="020B0509030504030204" pitchFamily="49" charset="0"/>
                 <a:ea typeface="IBM Plex Mono"/>
                 <a:cs typeface="IBM Plex Mono"/>
                 <a:sym typeface="IBM Plex Mono"/>
@@ -12037,7 +12043,7 @@
                 <a:solidFill>
                   <a:srgbClr val="032136"/>
                 </a:solidFill>
-                <a:latin typeface="IBM Plex Mono"/>
+                <a:latin typeface="Lucida Sans Typewriter" panose="020B0509030504030204" pitchFamily="49" charset="0"/>
                 <a:ea typeface="IBM Plex Mono"/>
                 <a:cs typeface="IBM Plex Mono"/>
                 <a:sym typeface="IBM Plex Mono"/>
@@ -12049,7 +12055,7 @@
                 <a:solidFill>
                   <a:srgbClr val="032136"/>
                 </a:solidFill>
-                <a:latin typeface="IBM Plex Mono"/>
+                <a:latin typeface="Lucida Sans Typewriter" panose="020B0509030504030204" pitchFamily="49" charset="0"/>
                 <a:ea typeface="IBM Plex Mono"/>
                 <a:cs typeface="IBM Plex Mono"/>
                 <a:sym typeface="IBM Plex Mono"/>
@@ -12061,7 +12067,7 @@
                 <a:solidFill>
                   <a:srgbClr val="032136"/>
                 </a:solidFill>
-                <a:latin typeface="IBM Plex Mono"/>
+                <a:latin typeface="Lucida Sans Typewriter" panose="020B0509030504030204" pitchFamily="49" charset="0"/>
                 <a:ea typeface="IBM Plex Mono"/>
                 <a:cs typeface="IBM Plex Mono"/>
                 <a:sym typeface="IBM Plex Mono"/>
@@ -12073,7 +12079,7 @@
                 <a:solidFill>
                   <a:srgbClr val="032136"/>
                 </a:solidFill>
-                <a:latin typeface="IBM Plex Mono"/>
+                <a:latin typeface="Lucida Sans Typewriter" panose="020B0509030504030204" pitchFamily="49" charset="0"/>
                 <a:ea typeface="IBM Plex Mono"/>
                 <a:cs typeface="IBM Plex Mono"/>
                 <a:sym typeface="IBM Plex Mono"/>
@@ -12085,7 +12091,7 @@
                 <a:solidFill>
                   <a:srgbClr val="032136"/>
                 </a:solidFill>
-                <a:latin typeface="IBM Plex Mono"/>
+                <a:latin typeface="Lucida Sans Typewriter" panose="020B0509030504030204" pitchFamily="49" charset="0"/>
                 <a:ea typeface="IBM Plex Mono"/>
                 <a:cs typeface="IBM Plex Mono"/>
                 <a:sym typeface="IBM Plex Mono"/>
@@ -12097,7 +12103,7 @@
                 <a:solidFill>
                   <a:srgbClr val="032136"/>
                 </a:solidFill>
-                <a:latin typeface="IBM Plex Mono"/>
+                <a:latin typeface="Lucida Sans Typewriter" panose="020B0509030504030204" pitchFamily="49" charset="0"/>
                 <a:ea typeface="IBM Plex Mono"/>
                 <a:cs typeface="IBM Plex Mono"/>
                 <a:sym typeface="IBM Plex Mono"/>
@@ -12109,7 +12115,7 @@
                 <a:solidFill>
                   <a:srgbClr val="032136"/>
                 </a:solidFill>
-                <a:latin typeface="IBM Plex Mono"/>
+                <a:latin typeface="Lucida Sans Typewriter" panose="020B0509030504030204" pitchFamily="49" charset="0"/>
                 <a:ea typeface="IBM Plex Mono"/>
                 <a:cs typeface="IBM Plex Mono"/>
                 <a:sym typeface="IBM Plex Mono"/>
@@ -12121,7 +12127,7 @@
                 <a:solidFill>
                   <a:srgbClr val="032136"/>
                 </a:solidFill>
-                <a:latin typeface="IBM Plex Mono"/>
+                <a:latin typeface="Lucida Sans Typewriter" panose="020B0509030504030204" pitchFamily="49" charset="0"/>
                 <a:ea typeface="IBM Plex Mono"/>
                 <a:cs typeface="IBM Plex Mono"/>
                 <a:sym typeface="IBM Plex Mono"/>
@@ -12133,7 +12139,7 @@
                 <a:solidFill>
                   <a:srgbClr val="032136"/>
                 </a:solidFill>
-                <a:latin typeface="IBM Plex Mono"/>
+                <a:latin typeface="Lucida Sans Typewriter" panose="020B0509030504030204" pitchFamily="49" charset="0"/>
                 <a:ea typeface="IBM Plex Mono"/>
                 <a:cs typeface="IBM Plex Mono"/>
                 <a:sym typeface="IBM Plex Mono"/>
@@ -12145,7 +12151,7 @@
                 <a:solidFill>
                   <a:srgbClr val="032136"/>
                 </a:solidFill>
-                <a:latin typeface="IBM Plex Mono"/>
+                <a:latin typeface="Lucida Sans Typewriter" panose="020B0509030504030204" pitchFamily="49" charset="0"/>
                 <a:ea typeface="IBM Plex Mono"/>
                 <a:cs typeface="IBM Plex Mono"/>
                 <a:sym typeface="IBM Plex Mono"/>
@@ -12163,7 +12169,7 @@
               <a:solidFill>
                 <a:srgbClr val="032136"/>
               </a:solidFill>
-              <a:latin typeface="IBM Plex Mono"/>
+              <a:latin typeface="Lucida Sans Typewriter" panose="020B0509030504030204" pitchFamily="49" charset="0"/>
               <a:ea typeface="IBM Plex Mono"/>
               <a:cs typeface="IBM Plex Mono"/>
               <a:sym typeface="IBM Plex Mono"/>
@@ -12187,7 +12193,7 @@
                 <a:solidFill>
                   <a:srgbClr val="032136"/>
                 </a:solidFill>
-                <a:latin typeface="IBM Plex Mono"/>
+                <a:latin typeface="Lucida Sans Typewriter" panose="020B0509030504030204" pitchFamily="49" charset="0"/>
                 <a:ea typeface="IBM Plex Mono"/>
                 <a:cs typeface="IBM Plex Mono"/>
                 <a:sym typeface="IBM Plex Mono"/>
@@ -12199,7 +12205,7 @@
                 <a:solidFill>
                   <a:srgbClr val="032136"/>
                 </a:solidFill>
-                <a:latin typeface="IBM Plex Mono"/>
+                <a:latin typeface="Lucida Sans Typewriter" panose="020B0509030504030204" pitchFamily="49" charset="0"/>
                 <a:ea typeface="IBM Plex Mono"/>
                 <a:cs typeface="IBM Plex Mono"/>
                 <a:sym typeface="IBM Plex Mono"/>
@@ -12211,7 +12217,7 @@
                 <a:solidFill>
                   <a:srgbClr val="032136"/>
                 </a:solidFill>
-                <a:latin typeface="IBM Plex Mono"/>
+                <a:latin typeface="Lucida Sans Typewriter" panose="020B0509030504030204" pitchFamily="49" charset="0"/>
                 <a:ea typeface="IBM Plex Mono"/>
                 <a:cs typeface="IBM Plex Mono"/>
                 <a:sym typeface="IBM Plex Mono"/>
@@ -12237,7 +12243,7 @@
                 <a:solidFill>
                   <a:srgbClr val="032136"/>
                 </a:solidFill>
-                <a:latin typeface="IBM Plex Mono"/>
+                <a:latin typeface="Lucida Sans Typewriter" panose="020B0509030504030204" pitchFamily="49" charset="0"/>
                 <a:ea typeface="IBM Plex Mono"/>
                 <a:cs typeface="IBM Plex Mono"/>
                 <a:sym typeface="IBM Plex Mono"/>
@@ -12249,7 +12255,7 @@
                 <a:solidFill>
                   <a:srgbClr val="032136"/>
                 </a:solidFill>
-                <a:latin typeface="IBM Plex Mono"/>
+                <a:latin typeface="Lucida Sans Typewriter" panose="020B0509030504030204" pitchFamily="49" charset="0"/>
                 <a:ea typeface="IBM Plex Mono"/>
                 <a:cs typeface="IBM Plex Mono"/>
                 <a:sym typeface="IBM Plex Mono"/>
@@ -12260,7 +12266,7 @@
               <a:solidFill>
                 <a:srgbClr val="032136"/>
               </a:solidFill>
-              <a:latin typeface="IBM Plex Mono"/>
+              <a:latin typeface="Lucida Sans Typewriter" panose="020B0509030504030204" pitchFamily="49" charset="0"/>
               <a:ea typeface="IBM Plex Mono"/>
               <a:cs typeface="IBM Plex Mono"/>
               <a:sym typeface="IBM Plex Mono"/>
@@ -12284,7 +12290,7 @@
                 <a:solidFill>
                   <a:srgbClr val="032136"/>
                 </a:solidFill>
-                <a:latin typeface="IBM Plex Mono"/>
+                <a:latin typeface="Lucida Sans Typewriter" panose="020B0509030504030204" pitchFamily="49" charset="0"/>
                 <a:ea typeface="IBM Plex Mono"/>
                 <a:cs typeface="IBM Plex Mono"/>
                 <a:sym typeface="IBM Plex Mono"/>
@@ -12296,7 +12302,7 @@
                 <a:solidFill>
                   <a:srgbClr val="032136"/>
                 </a:solidFill>
-                <a:latin typeface="IBM Plex Mono"/>
+                <a:latin typeface="Lucida Sans Typewriter" panose="020B0509030504030204" pitchFamily="49" charset="0"/>
                 <a:ea typeface="IBM Plex Mono"/>
                 <a:cs typeface="IBM Plex Mono"/>
                 <a:sym typeface="IBM Plex Mono"/>
@@ -12308,7 +12314,7 @@
                 <a:solidFill>
                   <a:srgbClr val="032136"/>
                 </a:solidFill>
-                <a:latin typeface="IBM Plex Mono"/>
+                <a:latin typeface="Lucida Sans Typewriter" panose="020B0509030504030204" pitchFamily="49" charset="0"/>
                 <a:ea typeface="IBM Plex Mono"/>
                 <a:cs typeface="IBM Plex Mono"/>
                 <a:sym typeface="IBM Plex Mono"/>
@@ -12334,22 +12340,13 @@
                 <a:solidFill>
                   <a:srgbClr val="032136"/>
                 </a:solidFill>
-                <a:latin typeface="IBM Plex Mono"/>
+                <a:latin typeface="Lucida Sans Typewriter" panose="020B0509030504030204" pitchFamily="49" charset="0"/>
                 <a:ea typeface="IBM Plex Mono"/>
                 <a:cs typeface="IBM Plex Mono"/>
                 <a:sym typeface="IBM Plex Mono"/>
               </a:rPr>
               <a:t>Stacy: just any with stable diffusion </a:t>
             </a:r>
-            <a:endParaRPr lang="en-US" sz="1650" dirty="0" smtClean="0">
-              <a:solidFill>
-                <a:srgbClr val="032136"/>
-              </a:solidFill>
-              <a:latin typeface="IBM Plex Mono"/>
-              <a:ea typeface="IBM Plex Mono"/>
-              <a:cs typeface="IBM Plex Mono"/>
-              <a:sym typeface="IBM Plex Mono"/>
-            </a:endParaRPr>
           </a:p>
           <a:p>
             <a:pPr marL="12700" marR="5080" lvl="0" indent="0" algn="just" rtl="0">
@@ -12369,7 +12366,7 @@
                 <a:solidFill>
                   <a:srgbClr val="032136"/>
                 </a:solidFill>
-                <a:latin typeface="IBM Plex Mono"/>
+                <a:latin typeface="Lucida Sans Typewriter" panose="020B0509030504030204" pitchFamily="49" charset="0"/>
                 <a:ea typeface="IBM Plex Mono"/>
                 <a:cs typeface="IBM Plex Mono"/>
                 <a:sym typeface="IBM Plex Mono"/>
@@ -12395,7 +12392,7 @@
                 <a:solidFill>
                   <a:srgbClr val="032136"/>
                 </a:solidFill>
-                <a:latin typeface="IBM Plex Mono"/>
+                <a:latin typeface="Lucida Sans Typewriter" panose="020B0509030504030204" pitchFamily="49" charset="0"/>
                 <a:ea typeface="IBM Plex Mono"/>
                 <a:cs typeface="IBM Plex Mono"/>
                 <a:sym typeface="IBM Plex Mono"/>
@@ -12421,7 +12418,7 @@
                 <a:solidFill>
                   <a:srgbClr val="032136"/>
                 </a:solidFill>
-                <a:latin typeface="IBM Plex Mono"/>
+                <a:latin typeface="Lucida Sans Typewriter" panose="020B0509030504030204" pitchFamily="49" charset="0"/>
                 <a:ea typeface="IBM Plex Mono"/>
                 <a:cs typeface="IBM Plex Mono"/>
                 <a:sym typeface="IBM Plex Mono"/>
@@ -12447,7 +12444,7 @@
                 <a:solidFill>
                   <a:srgbClr val="032136"/>
                 </a:solidFill>
-                <a:latin typeface="IBM Plex Mono"/>
+                <a:latin typeface="Lucida Sans Typewriter" panose="020B0509030504030204" pitchFamily="49" charset="0"/>
                 <a:ea typeface="IBM Plex Mono"/>
                 <a:cs typeface="IBM Plex Mono"/>
                 <a:sym typeface="IBM Plex Mono"/>
@@ -12473,7 +12470,7 @@
                 <a:solidFill>
                   <a:srgbClr val="032136"/>
                 </a:solidFill>
-                <a:latin typeface="IBM Plex Mono"/>
+                <a:latin typeface="Lucida Sans Typewriter" panose="020B0509030504030204" pitchFamily="49" charset="0"/>
                 <a:ea typeface="IBM Plex Mono"/>
                 <a:cs typeface="IBM Plex Mono"/>
                 <a:sym typeface="IBM Plex Mono"/>
@@ -12499,7 +12496,7 @@
                 <a:solidFill>
                   <a:srgbClr val="032136"/>
                 </a:solidFill>
-                <a:latin typeface="IBM Plex Mono"/>
+                <a:latin typeface="Lucida Sans Typewriter" panose="020B0509030504030204" pitchFamily="49" charset="0"/>
                 <a:ea typeface="IBM Plex Mono"/>
                 <a:cs typeface="IBM Plex Mono"/>
                 <a:sym typeface="IBM Plex Mono"/>
@@ -12511,7 +12508,7 @@
                 <a:solidFill>
                   <a:srgbClr val="032136"/>
                 </a:solidFill>
-                <a:latin typeface="IBM Plex Mono"/>
+                <a:latin typeface="Lucida Sans Typewriter" panose="020B0509030504030204" pitchFamily="49" charset="0"/>
                 <a:ea typeface="IBM Plex Mono"/>
                 <a:cs typeface="IBM Plex Mono"/>
                 <a:sym typeface="IBM Plex Mono"/>
@@ -12523,7 +12520,7 @@
                 <a:solidFill>
                   <a:srgbClr val="032136"/>
                 </a:solidFill>
-                <a:latin typeface="IBM Plex Mono"/>
+                <a:latin typeface="Lucida Sans Typewriter" panose="020B0509030504030204" pitchFamily="49" charset="0"/>
                 <a:ea typeface="IBM Plex Mono"/>
                 <a:cs typeface="IBM Plex Mono"/>
                 <a:sym typeface="IBM Plex Mono"/>
@@ -12549,7 +12546,7 @@
                 <a:solidFill>
                   <a:srgbClr val="032136"/>
                 </a:solidFill>
-                <a:latin typeface="IBM Plex Mono"/>
+                <a:latin typeface="Lucida Sans Typewriter" panose="020B0509030504030204" pitchFamily="49" charset="0"/>
                 <a:ea typeface="IBM Plex Mono"/>
                 <a:cs typeface="IBM Plex Mono"/>
                 <a:sym typeface="IBM Plex Mono"/>
@@ -12575,7 +12572,7 @@
                 <a:solidFill>
                   <a:srgbClr val="032136"/>
                 </a:solidFill>
-                <a:latin typeface="IBM Plex Mono"/>
+                <a:latin typeface="Lucida Sans Typewriter" panose="020B0509030504030204" pitchFamily="49" charset="0"/>
                 <a:ea typeface="IBM Plex Mono"/>
                 <a:cs typeface="IBM Plex Mono"/>
                 <a:sym typeface="IBM Plex Mono"/>
@@ -12601,22 +12598,13 @@
                 <a:solidFill>
                   <a:srgbClr val="032136"/>
                 </a:solidFill>
-                <a:latin typeface="IBM Plex Mono"/>
+                <a:latin typeface="Lucida Sans Typewriter" panose="020B0509030504030204" pitchFamily="49" charset="0"/>
                 <a:ea typeface="IBM Plex Mono"/>
                 <a:cs typeface="IBM Plex Mono"/>
                 <a:sym typeface="IBM Plex Mono"/>
               </a:rPr>
               <a:t>Victor: you too ma</a:t>
             </a:r>
-            <a:endParaRPr lang="en-US" sz="1650" dirty="0" smtClean="0">
-              <a:solidFill>
-                <a:srgbClr val="032136"/>
-              </a:solidFill>
-              <a:latin typeface="IBM Plex Mono"/>
-              <a:ea typeface="IBM Plex Mono"/>
-              <a:cs typeface="IBM Plex Mono"/>
-              <a:sym typeface="IBM Plex Mono"/>
-            </a:endParaRPr>
           </a:p>
           <a:p>
             <a:pPr marL="12700" marR="5080" lvl="0" indent="0" algn="just" rtl="0">
@@ -12949,37 +12937,37 @@
           <a:p>
             <a:r>
               <a:rPr lang="en-US" sz="1800" dirty="0" smtClean="0">
-                <a:latin typeface="IBM Plex Mono" panose="020B0604020202020204" charset="0"/>
+                <a:latin typeface="Lucida Sans Typewriter" panose="020B0509030504030204" pitchFamily="49" charset="0"/>
               </a:rPr>
               <a:t>Meet Stacy, founder of </a:t>
             </a:r>
             <a:r>
               <a:rPr lang="en-US" sz="1800" dirty="0" err="1" smtClean="0">
-                <a:latin typeface="IBM Plex Mono" panose="020B0604020202020204" charset="0"/>
+                <a:latin typeface="Lucida Sans Typewriter" panose="020B0509030504030204" pitchFamily="49" charset="0"/>
                 <a:hlinkClick r:id="rId4" action="ppaction://hlinkfile"/>
               </a:rPr>
               <a:t>animeai.lol</a:t>
             </a:r>
             <a:r>
               <a:rPr lang="en-US" sz="1800" dirty="0" smtClean="0">
-                <a:latin typeface="IBM Plex Mono" panose="020B0604020202020204" charset="0"/>
+                <a:latin typeface="Lucida Sans Typewriter" panose="020B0509030504030204" pitchFamily="49" charset="0"/>
               </a:rPr>
               <a:t>. Stacy anime portrait made using </a:t>
             </a:r>
             <a:r>
               <a:rPr lang="en-US" sz="1800" dirty="0" err="1" smtClean="0">
-                <a:latin typeface="IBM Plex Mono" panose="020B0604020202020204" charset="0"/>
+                <a:latin typeface="Lucida Sans Typewriter" panose="020B0509030504030204" pitchFamily="49" charset="0"/>
               </a:rPr>
               <a:t>animeai.lol</a:t>
             </a:r>
             <a:r>
               <a:rPr lang="en-US" sz="1800" dirty="0" smtClean="0">
-                <a:latin typeface="IBM Plex Mono" panose="020B0604020202020204" charset="0"/>
+                <a:latin typeface="Lucida Sans Typewriter" panose="020B0509030504030204" pitchFamily="49" charset="0"/>
               </a:rPr>
               <a:t> </a:t>
             </a:r>
             <a:endParaRPr lang="en-US" sz="1800" dirty="0">
-              <a:latin typeface="IBM Plex Mono" panose="020B0604020202020204" charset="0"/>
+              <a:latin typeface="Lucida Sans Typewriter" panose="020B0509030504030204" pitchFamily="49" charset="0"/>
             </a:endParaRPr>
           </a:p>
         </p:txBody>
@@ -13044,7 +13032,7 @@
                 <a:solidFill>
                   <a:srgbClr val="072235"/>
                 </a:solidFill>
-                <a:latin typeface="IBM Plex Mono"/>
+                <a:latin typeface="Lucida Sans Typewriter" panose="020B0509030504030204" pitchFamily="49" charset="0"/>
                 <a:ea typeface="IBM Plex Mono"/>
                 <a:cs typeface="IBM Plex Mono"/>
                 <a:sym typeface="IBM Plex Mono"/>
@@ -13056,7 +13044,7 @@
                 <a:solidFill>
                   <a:srgbClr val="072235"/>
                 </a:solidFill>
-                <a:latin typeface="IBM Plex Mono"/>
+                <a:latin typeface="Lucida Sans Typewriter" panose="020B0509030504030204" pitchFamily="49" charset="0"/>
                 <a:ea typeface="IBM Plex Mono"/>
                 <a:cs typeface="IBM Plex Mono"/>
                 <a:sym typeface="IBM Plex Mono"/>
@@ -13068,7 +13056,7 @@
                 <a:solidFill>
                   <a:srgbClr val="072235"/>
                 </a:solidFill>
-                <a:latin typeface="IBM Plex Mono"/>
+                <a:latin typeface="Lucida Sans Typewriter" panose="020B0509030504030204" pitchFamily="49" charset="0"/>
                 <a:ea typeface="IBM Plex Mono"/>
                 <a:cs typeface="IBM Plex Mono"/>
                 <a:sym typeface="IBM Plex Mono"/>
@@ -13080,7 +13068,7 @@
                 <a:solidFill>
                   <a:srgbClr val="072235"/>
                 </a:solidFill>
-                <a:latin typeface="IBM Plex Mono"/>
+                <a:latin typeface="Lucida Sans Typewriter" panose="020B0509030504030204" pitchFamily="49" charset="0"/>
                 <a:ea typeface="IBM Plex Mono"/>
                 <a:cs typeface="IBM Plex Mono"/>
                 <a:sym typeface="IBM Plex Mono"/>
@@ -13092,7 +13080,7 @@
                 <a:solidFill>
                   <a:srgbClr val="072235"/>
                 </a:solidFill>
-                <a:latin typeface="IBM Plex Mono"/>
+                <a:latin typeface="Lucida Sans Typewriter" panose="020B0509030504030204" pitchFamily="49" charset="0"/>
                 <a:ea typeface="IBM Plex Mono"/>
                 <a:cs typeface="IBM Plex Mono"/>
                 <a:sym typeface="IBM Plex Mono"/>
@@ -13104,7 +13092,7 @@
                 <a:solidFill>
                   <a:srgbClr val="072235"/>
                 </a:solidFill>
-                <a:latin typeface="IBM Plex Mono"/>
+                <a:latin typeface="Lucida Sans Typewriter" panose="020B0509030504030204" pitchFamily="49" charset="0"/>
                 <a:ea typeface="IBM Plex Mono"/>
                 <a:cs typeface="IBM Plex Mono"/>
                 <a:sym typeface="IBM Plex Mono"/>
@@ -13116,7 +13104,7 @@
                 <a:solidFill>
                   <a:srgbClr val="072235"/>
                 </a:solidFill>
-                <a:latin typeface="IBM Plex Mono"/>
+                <a:latin typeface="Lucida Sans Typewriter" panose="020B0509030504030204" pitchFamily="49" charset="0"/>
                 <a:ea typeface="IBM Plex Mono"/>
                 <a:cs typeface="IBM Plex Mono"/>
                 <a:sym typeface="IBM Plex Mono"/>
@@ -13134,7 +13122,7 @@
               <a:solidFill>
                 <a:srgbClr val="072235"/>
               </a:solidFill>
-              <a:latin typeface="IBM Plex Mono"/>
+              <a:latin typeface="Lucida Sans Typewriter" panose="020B0509030504030204" pitchFamily="49" charset="0"/>
               <a:ea typeface="IBM Plex Mono"/>
               <a:cs typeface="IBM Plex Mono"/>
               <a:sym typeface="IBM Plex Mono"/>
@@ -13151,7 +13139,7 @@
                 <a:solidFill>
                   <a:srgbClr val="072235"/>
                 </a:solidFill>
-                <a:latin typeface="IBM Plex Mono"/>
+                <a:latin typeface="Lucida Sans Typewriter" panose="020B0509030504030204" pitchFamily="49" charset="0"/>
                 <a:ea typeface="IBM Plex Mono"/>
                 <a:cs typeface="IBM Plex Mono"/>
                 <a:sym typeface="IBM Plex Mono"/>
@@ -13163,7 +13151,7 @@
                 <a:solidFill>
                   <a:srgbClr val="072235"/>
                 </a:solidFill>
-                <a:latin typeface="IBM Plex Mono"/>
+                <a:latin typeface="Lucida Sans Typewriter" panose="020B0509030504030204" pitchFamily="49" charset="0"/>
                 <a:ea typeface="IBM Plex Mono"/>
                 <a:cs typeface="IBM Plex Mono"/>
                 <a:sym typeface="IBM Plex Mono"/>
@@ -13181,7 +13169,7 @@
               <a:solidFill>
                 <a:srgbClr val="072235"/>
               </a:solidFill>
-              <a:latin typeface="IBM Plex Mono"/>
+              <a:latin typeface="Lucida Sans Typewriter" panose="020B0509030504030204" pitchFamily="49" charset="0"/>
               <a:ea typeface="IBM Plex Mono"/>
               <a:cs typeface="IBM Plex Mono"/>
               <a:sym typeface="IBM Plex Mono"/>
@@ -13195,7 +13183,7 @@
             </a:pPr>
             <a:r>
               <a:rPr lang="en-US" sz="1750" dirty="0" smtClean="0">
-                <a:latin typeface="IBM Plex Mono"/>
+                <a:latin typeface="Lucida Sans Typewriter" panose="020B0509030504030204" pitchFamily="49" charset="0"/>
                 <a:ea typeface="IBM Plex Mono"/>
                 <a:cs typeface="IBM Plex Mono"/>
                 <a:sym typeface="IBM Plex Mono"/>
@@ -13204,7 +13192,7 @@
             </a:r>
             <a:r>
               <a:rPr lang="en-US" sz="1750" dirty="0">
-                <a:latin typeface="IBM Plex Mono"/>
+                <a:latin typeface="Lucida Sans Typewriter" panose="020B0509030504030204" pitchFamily="49" charset="0"/>
                 <a:ea typeface="IBM Plex Mono"/>
                 <a:cs typeface="IBM Plex Mono"/>
                 <a:sym typeface="IBM Plex Mono"/>
@@ -13213,7 +13201,7 @@
             </a:r>
             <a:r>
               <a:rPr lang="en-US" sz="1750" dirty="0" err="1">
-                <a:latin typeface="IBM Plex Mono"/>
+                <a:latin typeface="Lucida Sans Typewriter" panose="020B0509030504030204" pitchFamily="49" charset="0"/>
                 <a:ea typeface="IBM Plex Mono"/>
                 <a:cs typeface="IBM Plex Mono"/>
                 <a:sym typeface="IBM Plex Mono"/>
@@ -13222,7 +13210,7 @@
             </a:r>
             <a:r>
               <a:rPr lang="en-US" sz="1750" dirty="0">
-                <a:latin typeface="IBM Plex Mono"/>
+                <a:latin typeface="Lucida Sans Typewriter" panose="020B0509030504030204" pitchFamily="49" charset="0"/>
                 <a:ea typeface="IBM Plex Mono"/>
                 <a:cs typeface="IBM Plex Mono"/>
                 <a:sym typeface="IBM Plex Mono"/>
@@ -13237,7 +13225,7 @@
               </a:lnSpc>
             </a:pPr>
             <a:endParaRPr lang="en-US" sz="400" dirty="0">
-              <a:latin typeface="IBM Plex Mono"/>
+              <a:latin typeface="Lucida Sans Typewriter" panose="020B0509030504030204" pitchFamily="49" charset="0"/>
               <a:ea typeface="IBM Plex Mono"/>
               <a:cs typeface="IBM Plex Mono"/>
               <a:sym typeface="IBM Plex Mono"/>
@@ -13251,7 +13239,7 @@
             </a:pPr>
             <a:r>
               <a:rPr lang="en-US" sz="1750" dirty="0">
-                <a:latin typeface="IBM Plex Mono"/>
+                <a:latin typeface="Lucida Sans Typewriter" panose="020B0509030504030204" pitchFamily="49" charset="0"/>
                 <a:ea typeface="IBM Plex Mono"/>
                 <a:cs typeface="IBM Plex Mono"/>
                 <a:sym typeface="IBM Plex Mono"/>
@@ -13266,7 +13254,7 @@
               </a:lnSpc>
             </a:pPr>
             <a:endParaRPr lang="en-US" sz="400" dirty="0">
-              <a:latin typeface="IBM Plex Mono"/>
+              <a:latin typeface="Lucida Sans Typewriter" panose="020B0509030504030204" pitchFamily="49" charset="0"/>
               <a:ea typeface="IBM Plex Mono"/>
               <a:cs typeface="IBM Plex Mono"/>
               <a:sym typeface="IBM Plex Mono"/>
@@ -13282,7 +13270,7 @@
             </a:pPr>
             <a:r>
               <a:rPr lang="en-US" sz="1750" dirty="0">
-                <a:latin typeface="IBM Plex Mono"/>
+                <a:latin typeface="Lucida Sans Typewriter" panose="020B0509030504030204" pitchFamily="49" charset="0"/>
                 <a:ea typeface="IBM Plex Mono"/>
                 <a:cs typeface="IBM Plex Mono"/>
                 <a:sym typeface="IBM Plex Mono"/>
@@ -13300,7 +13288,7 @@
             </a:pPr>
             <a:r>
               <a:rPr lang="en-US" sz="1750" dirty="0">
-                <a:latin typeface="IBM Plex Mono"/>
+                <a:latin typeface="Lucida Sans Typewriter" panose="020B0509030504030204" pitchFamily="49" charset="0"/>
                 <a:ea typeface="IBM Plex Mono"/>
                 <a:cs typeface="IBM Plex Mono"/>
                 <a:sym typeface="IBM Plex Mono"/>
@@ -13318,7 +13306,7 @@
             </a:pPr>
             <a:r>
               <a:rPr lang="en-US" sz="1750" dirty="0">
-                <a:latin typeface="IBM Plex Mono"/>
+                <a:latin typeface="Lucida Sans Typewriter" panose="020B0509030504030204" pitchFamily="49" charset="0"/>
                 <a:ea typeface="IBM Plex Mono"/>
                 <a:cs typeface="IBM Plex Mono"/>
                 <a:sym typeface="IBM Plex Mono"/>
@@ -13327,7 +13315,7 @@
             </a:r>
             <a:r>
               <a:rPr lang="en-US" sz="1750" dirty="0" smtClean="0">
-                <a:latin typeface="IBM Plex Mono"/>
+                <a:latin typeface="Lucida Sans Typewriter" panose="020B0509030504030204" pitchFamily="49" charset="0"/>
                 <a:ea typeface="IBM Plex Mono"/>
                 <a:cs typeface="IBM Plex Mono"/>
                 <a:sym typeface="IBM Plex Mono"/>
@@ -13345,7 +13333,7 @@
             </a:pPr>
             <a:r>
               <a:rPr lang="en-US" sz="1750" dirty="0">
-                <a:latin typeface="IBM Plex Mono"/>
+                <a:latin typeface="Lucida Sans Typewriter" panose="020B0509030504030204" pitchFamily="49" charset="0"/>
                 <a:ea typeface="IBM Plex Mono"/>
                 <a:cs typeface="IBM Plex Mono"/>
                 <a:sym typeface="IBM Plex Mono"/>
@@ -13354,7 +13342,7 @@
             </a:r>
             <a:r>
               <a:rPr lang="en-US" sz="1750" dirty="0" smtClean="0">
-                <a:latin typeface="IBM Plex Mono"/>
+                <a:latin typeface="Lucida Sans Typewriter" panose="020B0509030504030204" pitchFamily="49" charset="0"/>
                 <a:ea typeface="IBM Plex Mono"/>
                 <a:cs typeface="IBM Plex Mono"/>
                 <a:sym typeface="IBM Plex Mono"/>
@@ -13362,7 +13350,7 @@
               <a:t>.</a:t>
             </a:r>
             <a:endParaRPr lang="en-US" sz="1600" dirty="0">
-              <a:latin typeface="IBM Plex Mono"/>
+              <a:latin typeface="Lucida Sans Typewriter" panose="020B0509030504030204" pitchFamily="49" charset="0"/>
               <a:ea typeface="IBM Plex Mono"/>
               <a:cs typeface="IBM Plex Mono"/>
               <a:sym typeface="IBM Plex Mono"/>
@@ -13376,7 +13364,7 @@
             </a:pPr>
             <a:r>
               <a:rPr lang="en-US" sz="1750" dirty="0">
-                <a:latin typeface="IBM Plex Mono"/>
+                <a:latin typeface="Lucida Sans Typewriter" panose="020B0509030504030204" pitchFamily="49" charset="0"/>
                 <a:ea typeface="IBM Plex Mono"/>
                 <a:cs typeface="IBM Plex Mono"/>
                 <a:sym typeface="IBM Plex Mono"/>
@@ -13391,7 +13379,7 @@
               </a:lnSpc>
             </a:pPr>
             <a:endParaRPr lang="en-US" sz="400" dirty="0">
-              <a:latin typeface="IBM Plex Mono"/>
+              <a:latin typeface="Lucida Sans Typewriter" panose="020B0509030504030204" pitchFamily="49" charset="0"/>
               <a:ea typeface="IBM Plex Mono"/>
               <a:cs typeface="IBM Plex Mono"/>
               <a:sym typeface="IBM Plex Mono"/>
@@ -13405,7 +13393,7 @@
             </a:pPr>
             <a:r>
               <a:rPr lang="en-US" sz="1750" dirty="0">
-                <a:latin typeface="IBM Plex Mono"/>
+                <a:latin typeface="Lucida Sans Typewriter" panose="020B0509030504030204" pitchFamily="49" charset="0"/>
                 <a:ea typeface="IBM Plex Mono"/>
                 <a:cs typeface="IBM Plex Mono"/>
                 <a:sym typeface="IBM Plex Mono"/>
@@ -13413,7 +13401,7 @@
               <a:t>The use of distributed ledger technology would add an extra layer of security and transparency to the platform, ensuring that data ownership and transfer is secure and transparent. Overall, this monetization strategy has the potential to create a win-win situation for both AI developers and users, while also providing a unique and innovative solution to the challenges of data ownership and monetization in the AI space.</a:t>
             </a:r>
             <a:endParaRPr sz="1750" dirty="0">
-              <a:latin typeface="IBM Plex Mono"/>
+              <a:latin typeface="Lucida Sans Typewriter" panose="020B0509030504030204" pitchFamily="49" charset="0"/>
               <a:ea typeface="IBM Plex Mono"/>
               <a:cs typeface="IBM Plex Mono"/>
               <a:sym typeface="IBM Plex Mono"/>
@@ -13430,7 +13418,7 @@
         <p:spPr>
           <a:xfrm>
             <a:off x="261604" y="501735"/>
-            <a:ext cx="7381974" cy="1692510"/>
+            <a:ext cx="7165108" cy="2391932"/>
           </a:xfrm>
           <a:prstGeom prst="rect">
             <a:avLst/>
@@ -13463,7 +13451,7 @@
                 <a:solidFill>
                   <a:srgbClr val="F04B42"/>
                 </a:solidFill>
-                <a:latin typeface="IBM Plex Mono" panose="020B0604020202020204" charset="0"/>
+                <a:latin typeface="Lucida Sans Typewriter" panose="020B0509030504030204" pitchFamily="49" charset="0"/>
                 <a:ea typeface="IBM Plex Sans"/>
                 <a:cs typeface="IBM Plex Sans"/>
                 <a:sym typeface="IBM Plex Sans"/>
@@ -14108,18 +14096,15 @@
             </a:pPr>
             <a:r>
               <a:rPr lang="en-US" dirty="0">
-                <a:latin typeface="IBM Plex Mono" panose="020B0604020202020204" charset="0"/>
+                <a:latin typeface="Lucida Sans Typewriter" panose="020B0509030504030204" pitchFamily="49" charset="0"/>
               </a:rPr>
-              <a:t>Meet the Speaker</a:t>
+              <a:t>Meet the </a:t>
             </a:r>
             <a:r>
-              <a:rPr lang="en-US" dirty="0">
-                <a:solidFill>
-                  <a:srgbClr val="002138"/>
-                </a:solidFill>
-                <a:latin typeface="IBM Plex Mono" panose="020B0604020202020204" charset="0"/>
+              <a:rPr lang="en-US" dirty="0" smtClean="0">
+                <a:latin typeface="Lucida Sans Typewriter" panose="020B0509030504030204" pitchFamily="49" charset="0"/>
               </a:rPr>
-              <a:t>_</a:t>
+              <a:t>Speaker</a:t>
             </a:r>
             <a:endParaRPr dirty="0">
               <a:latin typeface="IBM Plex Mono" panose="020B0604020202020204" charset="0"/>
@@ -14169,7 +14154,7 @@
                 <a:solidFill>
                   <a:srgbClr val="002138"/>
                 </a:solidFill>
-                <a:latin typeface="IBM Plex Mono" panose="020B0604020202020204" charset="0"/>
+                <a:latin typeface="Lucida Sans Typewriter" panose="020B0509030504030204" pitchFamily="49" charset="0"/>
                 <a:ea typeface="IBM Plex Sans"/>
                 <a:cs typeface="IBM Plex Sans"/>
                 <a:sym typeface="IBM Plex Sans"/>
@@ -14181,7 +14166,7 @@
                 <a:solidFill>
                   <a:srgbClr val="002138"/>
                 </a:solidFill>
-                <a:latin typeface="IBM Plex Mono" panose="020B0604020202020204" charset="0"/>
+                <a:latin typeface="Lucida Sans Typewriter" panose="020B0509030504030204" pitchFamily="49" charset="0"/>
                 <a:ea typeface="IBM Plex Sans"/>
                 <a:cs typeface="IBM Plex Sans"/>
                 <a:sym typeface="IBM Plex Sans"/>
@@ -14193,7 +14178,7 @@
                 <a:solidFill>
                   <a:srgbClr val="002138"/>
                 </a:solidFill>
-                <a:latin typeface="IBM Plex Mono" panose="020B0604020202020204" charset="0"/>
+                <a:latin typeface="Lucida Sans Typewriter" panose="020B0509030504030204" pitchFamily="49" charset="0"/>
                 <a:ea typeface="IBM Plex Sans"/>
                 <a:cs typeface="IBM Plex Sans"/>
                 <a:sym typeface="IBM Plex Sans"/>
@@ -14205,7 +14190,7 @@
                 <a:solidFill>
                   <a:srgbClr val="002138"/>
                 </a:solidFill>
-                <a:latin typeface="IBM Plex Mono" panose="020B0604020202020204" charset="0"/>
+                <a:latin typeface="Lucida Sans Typewriter" panose="020B0509030504030204" pitchFamily="49" charset="0"/>
                 <a:ea typeface="IBM Plex Sans"/>
                 <a:cs typeface="IBM Plex Sans"/>
                 <a:sym typeface="IBM Plex Sans"/>
@@ -14213,7 +14198,7 @@
               <a:t>Odoh</a:t>
             </a:r>
             <a:endParaRPr sz="8000" dirty="0">
-              <a:latin typeface="IBM Plex Mono" panose="020B0604020202020204" charset="0"/>
+              <a:latin typeface="Lucida Sans Typewriter" panose="020B0509030504030204" pitchFamily="49" charset="0"/>
               <a:ea typeface="IBM Plex Sans"/>
               <a:cs typeface="IBM Plex Sans"/>
               <a:sym typeface="IBM Plex Sans"/>
@@ -14237,27 +14222,15 @@
                 <a:solidFill>
                   <a:srgbClr val="EFF8FA"/>
                 </a:solidFill>
-                <a:latin typeface="IBM Plex Mono Medium"/>
+                <a:latin typeface="Lucida Sans Typewriter" panose="020B0509030504030204" pitchFamily="49" charset="0"/>
                 <a:ea typeface="IBM Plex Mono Medium"/>
                 <a:cs typeface="IBM Plex Mono Medium"/>
                 <a:sym typeface="IBM Plex Mono Medium"/>
               </a:rPr>
-              <a:t>Student</a:t>
-            </a:r>
-            <a:r>
-              <a:rPr lang="en-US" sz="2300" dirty="0" smtClean="0">
-                <a:solidFill>
-                  <a:srgbClr val="EFF8FA"/>
-                </a:solidFill>
-                <a:latin typeface="IBM Plex Mono Medium"/>
-                <a:ea typeface="IBM Plex Mono Medium"/>
-                <a:cs typeface="IBM Plex Mono Medium"/>
-                <a:sym typeface="IBM Plex Mono Medium"/>
-              </a:rPr>
-              <a:t>, University of Lagos</a:t>
+              <a:t>Student, University of Lagos</a:t>
             </a:r>
             <a:endParaRPr sz="2300" dirty="0">
-              <a:latin typeface="IBM Plex Mono Medium"/>
+              <a:latin typeface="Lucida Sans Typewriter" panose="020B0509030504030204" pitchFamily="49" charset="0"/>
               <a:ea typeface="IBM Plex Mono Medium"/>
               <a:cs typeface="IBM Plex Mono Medium"/>
               <a:sym typeface="IBM Plex Mono Medium"/>
@@ -14273,7 +14246,7 @@
         </p:nvSpPr>
         <p:spPr>
           <a:xfrm>
-            <a:off x="1589345" y="8521571"/>
+            <a:off x="1589345" y="8354093"/>
             <a:ext cx="4610100" cy="1361260"/>
           </a:xfrm>
           <a:prstGeom prst="rect">
@@ -14307,7 +14280,7 @@
                 <a:solidFill>
                   <a:srgbClr val="EFF8FA"/>
                 </a:solidFill>
-                <a:latin typeface="IBM Plex Sans"/>
+                <a:latin typeface="Lucida Sans Typewriter" panose="020B0509030504030204" pitchFamily="49" charset="0"/>
                 <a:ea typeface="IBM Plex Sans"/>
                 <a:cs typeface="IBM Plex Sans"/>
                 <a:sym typeface="IBM Plex Sans"/>
@@ -14333,7 +14306,7 @@
                 <a:solidFill>
                   <a:srgbClr val="EFF8FA"/>
                 </a:solidFill>
-                <a:latin typeface="IBM Plex Sans"/>
+                <a:latin typeface="Lucida Sans Typewriter" panose="020B0509030504030204" pitchFamily="49" charset="0"/>
                 <a:ea typeface="IBM Plex Sans"/>
                 <a:cs typeface="IBM Plex Sans"/>
                 <a:sym typeface="IBM Plex Sans"/>
@@ -14359,7 +14332,7 @@
                 <a:solidFill>
                   <a:srgbClr val="EFF8FA"/>
                 </a:solidFill>
-                <a:latin typeface="IBM Plex Sans"/>
+                <a:latin typeface="Lucida Sans Typewriter" panose="020B0509030504030204" pitchFamily="49" charset="0"/>
                 <a:ea typeface="IBM Plex Sans"/>
                 <a:cs typeface="IBM Plex Sans"/>
                 <a:sym typeface="IBM Plex Sans"/>
@@ -14367,7 +14340,7 @@
               <a:t>@VICTOR-ONOJA </a:t>
             </a:r>
             <a:endParaRPr sz="2550" dirty="0">
-              <a:latin typeface="IBM Plex Sans"/>
+              <a:latin typeface="Lucida Sans Typewriter" panose="020B0509030504030204" pitchFamily="49" charset="0"/>
               <a:ea typeface="IBM Plex Sans"/>
               <a:cs typeface="IBM Plex Sans"/>
               <a:sym typeface="IBM Plex Sans"/>
@@ -14496,7 +14469,7 @@
         </p:nvSpPr>
         <p:spPr>
           <a:xfrm>
-            <a:off x="8205066" y="9202201"/>
+            <a:off x="8363413" y="9207521"/>
             <a:ext cx="11285034" cy="1015663"/>
           </a:xfrm>
           <a:prstGeom prst="rect">
@@ -14515,43 +14488,70 @@
                 <a:solidFill>
                   <a:schemeClr val="tx2"/>
                 </a:solidFill>
-                <a:latin typeface="IBM Plex Mono" panose="020B0604020202020204" charset="0"/>
+                <a:latin typeface="Lucida Sans Typewriter" panose="020B0509030504030204" pitchFamily="49" charset="0"/>
               </a:rPr>
               <a:t>I have experience with </a:t>
             </a:r>
             <a:r>
+              <a:rPr lang="en-US" sz="2000" dirty="0" err="1">
+                <a:solidFill>
+                  <a:schemeClr val="tx2"/>
+                </a:solidFill>
+                <a:latin typeface="Lucida Sans Typewriter" panose="020B0509030504030204" pitchFamily="49" charset="0"/>
+              </a:rPr>
+              <a:t>G</a:t>
+            </a:r>
+            <a:r>
               <a:rPr lang="en-US" sz="2000" dirty="0" err="1" smtClean="0">
                 <a:solidFill>
                   <a:schemeClr val="tx2"/>
                 </a:solidFill>
-                <a:latin typeface="IBM Plex Mono" panose="020B0604020202020204" charset="0"/>
+                <a:latin typeface="Lucida Sans Typewriter" panose="020B0509030504030204" pitchFamily="49" charset="0"/>
               </a:rPr>
-              <a:t>git</a:t>
+              <a:t>it</a:t>
             </a:r>
             <a:r>
               <a:rPr lang="en-US" sz="2000" dirty="0" smtClean="0">
                 <a:solidFill>
                   <a:schemeClr val="tx2"/>
                 </a:solidFill>
-                <a:latin typeface="IBM Plex Mono" panose="020B0604020202020204" charset="0"/>
+                <a:latin typeface="Lucida Sans Typewriter" panose="020B0509030504030204" pitchFamily="49" charset="0"/>
               </a:rPr>
-              <a:t> &amp; </a:t>
+              <a:t> </a:t>
+            </a:r>
+            <a:r>
+              <a:rPr lang="en-US" sz="2000" dirty="0" smtClean="0">
+                <a:solidFill>
+                  <a:schemeClr val="tx2"/>
+                </a:solidFill>
+                <a:latin typeface="Lucida Sans Typewriter" panose="020B0509030504030204" pitchFamily="49" charset="0"/>
+              </a:rPr>
+              <a:t>&amp; </a:t>
+            </a:r>
+            <a:r>
+              <a:rPr lang="en-US" sz="2000" dirty="0" err="1">
+                <a:solidFill>
+                  <a:schemeClr val="tx2"/>
+                </a:solidFill>
+                <a:latin typeface="Lucida Sans Typewriter" panose="020B0509030504030204" pitchFamily="49" charset="0"/>
+              </a:rPr>
+              <a:t>G</a:t>
             </a:r>
             <a:r>
               <a:rPr lang="en-US" sz="2000" dirty="0" err="1" smtClean="0">
                 <a:solidFill>
                   <a:schemeClr val="tx2"/>
                 </a:solidFill>
-                <a:latin typeface="IBM Plex Mono" panose="020B0604020202020204" charset="0"/>
+                <a:latin typeface="Lucida Sans Typewriter" panose="020B0509030504030204" pitchFamily="49" charset="0"/>
               </a:rPr>
-              <a:t>github</a:t>
+              <a:t>ithub</a:t>
             </a:r>
             <a:r>
               <a:rPr lang="en-US" sz="2000" dirty="0" smtClean="0">
                 <a:solidFill>
                   <a:schemeClr val="tx2"/>
                 </a:solidFill>
-                <a:latin typeface="IBM Plex Mono" panose="020B0604020202020204" charset="0"/>
+                <a:latin typeface="Lucida Sans Typewriter" panose="020B0509030504030204" pitchFamily="49" charset="0"/>
               </a:rPr>
               <a:t>, I have passion for </a:t>
             </a:r>
@@ -14560,7 +14560,7 @@
                 <a:solidFill>
                   <a:schemeClr val="tx2"/>
                 </a:solidFill>
-                <a:latin typeface="IBM Plex Mono" panose="020B0604020202020204" charset="0"/>
+                <a:latin typeface="Lucida Sans Typewriter" panose="020B0509030504030204" pitchFamily="49" charset="0"/>
               </a:rPr>
               <a:t>A</a:t>
             </a:r>
@@ -14569,7 +14569,7 @@
                 <a:solidFill>
                   <a:schemeClr val="tx2"/>
                 </a:solidFill>
-                <a:latin typeface="IBM Plex Mono" panose="020B0604020202020204" charset="0"/>
+                <a:latin typeface="Lucida Sans Typewriter" panose="020B0509030504030204" pitchFamily="49" charset="0"/>
               </a:rPr>
               <a:t>i, I have great communication and research skills. I’ll love to be a part of the team at </a:t>
             </a:r>
@@ -14578,7 +14578,7 @@
                 <a:solidFill>
                   <a:schemeClr val="tx2"/>
                 </a:solidFill>
-                <a:latin typeface="IBM Plex Mono" panose="020B0604020202020204" charset="0"/>
+                <a:latin typeface="Lucida Sans Typewriter" panose="020B0509030504030204" pitchFamily="49" charset="0"/>
               </a:rPr>
               <a:t>TextifyAi</a:t>
             </a:r>
@@ -14586,7 +14586,7 @@
               <a:solidFill>
                 <a:schemeClr val="tx2"/>
               </a:solidFill>
-              <a:latin typeface="IBM Plex Mono" panose="020B0604020202020204" charset="0"/>
+              <a:latin typeface="Lucida Sans Typewriter" panose="020B0509030504030204" pitchFamily="49" charset="0"/>
             </a:endParaRPr>
           </a:p>
         </p:txBody>
@@ -14629,7 +14629,7 @@
         <p:spPr>
           <a:xfrm>
             <a:off x="8992260" y="4573545"/>
-            <a:ext cx="9170233" cy="1910714"/>
+            <a:ext cx="9170233" cy="3815783"/>
           </a:xfrm>
           <a:prstGeom prst="rect">
             <a:avLst/>
@@ -14658,10 +14658,14 @@
               <a:buNone/>
             </a:pPr>
             <a:r>
-              <a:rPr lang="en-US" sz="12350" dirty="0"/>
+              <a:rPr lang="en-US" sz="12350" dirty="0">
+                <a:latin typeface="Lucida Sans Typewriter" panose="020B0509030504030204" pitchFamily="49" charset="0"/>
+              </a:rPr>
               <a:t>THANK YOU.</a:t>
             </a:r>
-            <a:endParaRPr sz="12350" dirty="0"/>
+            <a:endParaRPr sz="12350" dirty="0">
+              <a:latin typeface="Lucida Sans Typewriter" panose="020B0509030504030204" pitchFamily="49" charset="0"/>
+            </a:endParaRPr>
           </a:p>
         </p:txBody>
       </p:sp>
